--- a/ppt 16-9/1266.全献给主.pptx
+++ b/ppt 16-9/1266.全献给主.pptx
@@ -129,7 +129,7 @@
           <p:cNvPr id="2" name="标题 1">
             <a:extLst>
               <a:ext uri="{FF2B5EF4-FFF2-40B4-BE49-F238E27FC236}">
-                <a16:creationId xmlns:a16="http://schemas.microsoft.com/office/drawing/2014/main" id="{F09111BC-9478-9EFE-60C9-4829F2742787}"/>
+                <a16:creationId xmlns:a16="http://schemas.microsoft.com/office/drawing/2014/main" id="{96601586-FA85-88F0-4C35-A6FC591F1CD2}"/>
               </a:ext>
             </a:extLst>
           </p:cNvPr>
@@ -166,7 +166,7 @@
           <p:cNvPr id="3" name="副标题 2">
             <a:extLst>
               <a:ext uri="{FF2B5EF4-FFF2-40B4-BE49-F238E27FC236}">
-                <a16:creationId xmlns:a16="http://schemas.microsoft.com/office/drawing/2014/main" id="{E9114A24-398E-DF29-9AFA-A54BDA1F2CA9}"/>
+                <a16:creationId xmlns:a16="http://schemas.microsoft.com/office/drawing/2014/main" id="{D7835CDF-C2C0-FD33-FA90-BC62FBE273E0}"/>
               </a:ext>
             </a:extLst>
           </p:cNvPr>
@@ -236,7 +236,7 @@
           <p:cNvPr id="4" name="日期占位符 3">
             <a:extLst>
               <a:ext uri="{FF2B5EF4-FFF2-40B4-BE49-F238E27FC236}">
-                <a16:creationId xmlns:a16="http://schemas.microsoft.com/office/drawing/2014/main" id="{6C528E6A-D102-1AEE-415A-584F82054469}"/>
+                <a16:creationId xmlns:a16="http://schemas.microsoft.com/office/drawing/2014/main" id="{5369ED58-9CD8-C231-6564-86C409D3DF09}"/>
               </a:ext>
             </a:extLst>
           </p:cNvPr>
@@ -252,7 +252,7 @@
           <a:bodyPr/>
           <a:lstStyle/>
           <a:p>
-            <a:fld id="{A749E57D-80A7-44DE-A885-BE9FBD9334EE}" type="datetimeFigureOut">
+            <a:fld id="{323998ED-F7BD-4119-99B3-993F49C74123}" type="datetimeFigureOut">
               <a:rPr lang="zh-CN" altLang="en-US" smtClean="0"/>
               <a:t>2024/3/10</a:t>
             </a:fld>
@@ -265,7 +265,7 @@
           <p:cNvPr id="5" name="页脚占位符 4">
             <a:extLst>
               <a:ext uri="{FF2B5EF4-FFF2-40B4-BE49-F238E27FC236}">
-                <a16:creationId xmlns:a16="http://schemas.microsoft.com/office/drawing/2014/main" id="{462A9979-2EFB-3713-EDAE-B6A7FFA9D712}"/>
+                <a16:creationId xmlns:a16="http://schemas.microsoft.com/office/drawing/2014/main" id="{5F9BD524-3840-2EAE-A71B-DF1F7ADBFDE7}"/>
               </a:ext>
             </a:extLst>
           </p:cNvPr>
@@ -290,7 +290,7 @@
           <p:cNvPr id="6" name="灯片编号占位符 5">
             <a:extLst>
               <a:ext uri="{FF2B5EF4-FFF2-40B4-BE49-F238E27FC236}">
-                <a16:creationId xmlns:a16="http://schemas.microsoft.com/office/drawing/2014/main" id="{2EECDF3F-EB3B-8436-E9FB-86C92B55EC1F}"/>
+                <a16:creationId xmlns:a16="http://schemas.microsoft.com/office/drawing/2014/main" id="{CE6D6C00-A842-2CCF-7F01-C972A13B2DCE}"/>
               </a:ext>
             </a:extLst>
           </p:cNvPr>
@@ -306,7 +306,7 @@
           <a:bodyPr/>
           <a:lstStyle/>
           <a:p>
-            <a:fld id="{00993888-B908-42AD-9288-CFFD964B664B}" type="slidenum">
+            <a:fld id="{8DA97B0A-31A1-4584-8B7C-6A5589E7F074}" type="slidenum">
               <a:rPr lang="zh-CN" altLang="en-US" smtClean="0"/>
               <a:t>‹#›</a:t>
             </a:fld>
@@ -317,7 +317,7 @@
     </p:spTree>
     <p:extLst>
       <p:ext uri="{BB962C8B-B14F-4D97-AF65-F5344CB8AC3E}">
-        <p14:creationId xmlns:p14="http://schemas.microsoft.com/office/powerpoint/2010/main" val="1832465610"/>
+        <p14:creationId xmlns:p14="http://schemas.microsoft.com/office/powerpoint/2010/main" val="2270153959"/>
       </p:ext>
     </p:extLst>
   </p:cSld>
@@ -349,7 +349,7 @@
           <p:cNvPr id="2" name="标题 1">
             <a:extLst>
               <a:ext uri="{FF2B5EF4-FFF2-40B4-BE49-F238E27FC236}">
-                <a16:creationId xmlns:a16="http://schemas.microsoft.com/office/drawing/2014/main" id="{07D88575-AD19-C758-1DB7-C73B486C20B6}"/>
+                <a16:creationId xmlns:a16="http://schemas.microsoft.com/office/drawing/2014/main" id="{8EDA3E4A-B906-3374-AED0-BBBB775957DB}"/>
               </a:ext>
             </a:extLst>
           </p:cNvPr>
@@ -377,7 +377,7 @@
           <p:cNvPr id="3" name="竖排文字占位符 2">
             <a:extLst>
               <a:ext uri="{FF2B5EF4-FFF2-40B4-BE49-F238E27FC236}">
-                <a16:creationId xmlns:a16="http://schemas.microsoft.com/office/drawing/2014/main" id="{D7F59F85-6088-EBFF-182F-F793775C243A}"/>
+                <a16:creationId xmlns:a16="http://schemas.microsoft.com/office/drawing/2014/main" id="{8A5DF17F-6EAC-FBF4-DD60-2DE208BAD8AA}"/>
               </a:ext>
             </a:extLst>
           </p:cNvPr>
@@ -434,7 +434,7 @@
           <p:cNvPr id="4" name="日期占位符 3">
             <a:extLst>
               <a:ext uri="{FF2B5EF4-FFF2-40B4-BE49-F238E27FC236}">
-                <a16:creationId xmlns:a16="http://schemas.microsoft.com/office/drawing/2014/main" id="{9ADBDC70-8E14-5633-B046-14204513A9B4}"/>
+                <a16:creationId xmlns:a16="http://schemas.microsoft.com/office/drawing/2014/main" id="{09BBA809-72F3-C2D4-954B-E8D7EC5C744C}"/>
               </a:ext>
             </a:extLst>
           </p:cNvPr>
@@ -450,7 +450,7 @@
           <a:bodyPr/>
           <a:lstStyle/>
           <a:p>
-            <a:fld id="{A749E57D-80A7-44DE-A885-BE9FBD9334EE}" type="datetimeFigureOut">
+            <a:fld id="{323998ED-F7BD-4119-99B3-993F49C74123}" type="datetimeFigureOut">
               <a:rPr lang="zh-CN" altLang="en-US" smtClean="0"/>
               <a:t>2024/3/10</a:t>
             </a:fld>
@@ -463,7 +463,7 @@
           <p:cNvPr id="5" name="页脚占位符 4">
             <a:extLst>
               <a:ext uri="{FF2B5EF4-FFF2-40B4-BE49-F238E27FC236}">
-                <a16:creationId xmlns:a16="http://schemas.microsoft.com/office/drawing/2014/main" id="{BE2FCD40-BF35-704D-337E-47286F2B47AC}"/>
+                <a16:creationId xmlns:a16="http://schemas.microsoft.com/office/drawing/2014/main" id="{94166531-9700-8F42-AB35-9C4294479537}"/>
               </a:ext>
             </a:extLst>
           </p:cNvPr>
@@ -488,7 +488,7 @@
           <p:cNvPr id="6" name="灯片编号占位符 5">
             <a:extLst>
               <a:ext uri="{FF2B5EF4-FFF2-40B4-BE49-F238E27FC236}">
-                <a16:creationId xmlns:a16="http://schemas.microsoft.com/office/drawing/2014/main" id="{06EBC530-2EE5-9EC1-2CF7-FE93B03FE043}"/>
+                <a16:creationId xmlns:a16="http://schemas.microsoft.com/office/drawing/2014/main" id="{2E457C2A-149B-80B8-E2D9-7542DB94FEAE}"/>
               </a:ext>
             </a:extLst>
           </p:cNvPr>
@@ -504,7 +504,7 @@
           <a:bodyPr/>
           <a:lstStyle/>
           <a:p>
-            <a:fld id="{00993888-B908-42AD-9288-CFFD964B664B}" type="slidenum">
+            <a:fld id="{8DA97B0A-31A1-4584-8B7C-6A5589E7F074}" type="slidenum">
               <a:rPr lang="zh-CN" altLang="en-US" smtClean="0"/>
               <a:t>‹#›</a:t>
             </a:fld>
@@ -515,7 +515,7 @@
     </p:spTree>
     <p:extLst>
       <p:ext uri="{BB962C8B-B14F-4D97-AF65-F5344CB8AC3E}">
-        <p14:creationId xmlns:p14="http://schemas.microsoft.com/office/powerpoint/2010/main" val="2375724788"/>
+        <p14:creationId xmlns:p14="http://schemas.microsoft.com/office/powerpoint/2010/main" val="662702298"/>
       </p:ext>
     </p:extLst>
   </p:cSld>
@@ -547,7 +547,7 @@
           <p:cNvPr id="2" name="竖排标题 1">
             <a:extLst>
               <a:ext uri="{FF2B5EF4-FFF2-40B4-BE49-F238E27FC236}">
-                <a16:creationId xmlns:a16="http://schemas.microsoft.com/office/drawing/2014/main" id="{AB95584A-F0CF-B7B0-E674-99D6ECFC4DE6}"/>
+                <a16:creationId xmlns:a16="http://schemas.microsoft.com/office/drawing/2014/main" id="{780ED9F1-FA0D-F032-0F33-EC763637BB6C}"/>
               </a:ext>
             </a:extLst>
           </p:cNvPr>
@@ -580,7 +580,7 @@
           <p:cNvPr id="3" name="竖排文字占位符 2">
             <a:extLst>
               <a:ext uri="{FF2B5EF4-FFF2-40B4-BE49-F238E27FC236}">
-                <a16:creationId xmlns:a16="http://schemas.microsoft.com/office/drawing/2014/main" id="{B0B90332-020A-86B6-6DC0-41DC9F628679}"/>
+                <a16:creationId xmlns:a16="http://schemas.microsoft.com/office/drawing/2014/main" id="{6C6A6503-4039-EB9E-359D-5EC573566A1E}"/>
               </a:ext>
             </a:extLst>
           </p:cNvPr>
@@ -642,7 +642,7 @@
           <p:cNvPr id="4" name="日期占位符 3">
             <a:extLst>
               <a:ext uri="{FF2B5EF4-FFF2-40B4-BE49-F238E27FC236}">
-                <a16:creationId xmlns:a16="http://schemas.microsoft.com/office/drawing/2014/main" id="{6C423570-F05F-6512-9A70-7C8E6A22CA78}"/>
+                <a16:creationId xmlns:a16="http://schemas.microsoft.com/office/drawing/2014/main" id="{DBF73105-9FE4-964A-EF4D-D410D989E739}"/>
               </a:ext>
             </a:extLst>
           </p:cNvPr>
@@ -658,7 +658,7 @@
           <a:bodyPr/>
           <a:lstStyle/>
           <a:p>
-            <a:fld id="{A749E57D-80A7-44DE-A885-BE9FBD9334EE}" type="datetimeFigureOut">
+            <a:fld id="{323998ED-F7BD-4119-99B3-993F49C74123}" type="datetimeFigureOut">
               <a:rPr lang="zh-CN" altLang="en-US" smtClean="0"/>
               <a:t>2024/3/10</a:t>
             </a:fld>
@@ -671,7 +671,7 @@
           <p:cNvPr id="5" name="页脚占位符 4">
             <a:extLst>
               <a:ext uri="{FF2B5EF4-FFF2-40B4-BE49-F238E27FC236}">
-                <a16:creationId xmlns:a16="http://schemas.microsoft.com/office/drawing/2014/main" id="{494F8BCB-B708-AC25-6995-14B931268201}"/>
+                <a16:creationId xmlns:a16="http://schemas.microsoft.com/office/drawing/2014/main" id="{74449F8A-F417-4306-8AE5-64ACF3E4CFF0}"/>
               </a:ext>
             </a:extLst>
           </p:cNvPr>
@@ -696,7 +696,7 @@
           <p:cNvPr id="6" name="灯片编号占位符 5">
             <a:extLst>
               <a:ext uri="{FF2B5EF4-FFF2-40B4-BE49-F238E27FC236}">
-                <a16:creationId xmlns:a16="http://schemas.microsoft.com/office/drawing/2014/main" id="{8C90F413-9385-DE42-97F0-DC8941069724}"/>
+                <a16:creationId xmlns:a16="http://schemas.microsoft.com/office/drawing/2014/main" id="{4D69F01B-17FE-02FD-3461-3683E6C177C0}"/>
               </a:ext>
             </a:extLst>
           </p:cNvPr>
@@ -712,7 +712,7 @@
           <a:bodyPr/>
           <a:lstStyle/>
           <a:p>
-            <a:fld id="{00993888-B908-42AD-9288-CFFD964B664B}" type="slidenum">
+            <a:fld id="{8DA97B0A-31A1-4584-8B7C-6A5589E7F074}" type="slidenum">
               <a:rPr lang="zh-CN" altLang="en-US" smtClean="0"/>
               <a:t>‹#›</a:t>
             </a:fld>
@@ -723,7 +723,7 @@
     </p:spTree>
     <p:extLst>
       <p:ext uri="{BB962C8B-B14F-4D97-AF65-F5344CB8AC3E}">
-        <p14:creationId xmlns:p14="http://schemas.microsoft.com/office/powerpoint/2010/main" val="2485552948"/>
+        <p14:creationId xmlns:p14="http://schemas.microsoft.com/office/powerpoint/2010/main" val="3700977727"/>
       </p:ext>
     </p:extLst>
   </p:cSld>
@@ -755,7 +755,7 @@
           <p:cNvPr id="2" name="标题 1">
             <a:extLst>
               <a:ext uri="{FF2B5EF4-FFF2-40B4-BE49-F238E27FC236}">
-                <a16:creationId xmlns:a16="http://schemas.microsoft.com/office/drawing/2014/main" id="{ADE2648B-878E-78D7-91B3-10779DD3642D}"/>
+                <a16:creationId xmlns:a16="http://schemas.microsoft.com/office/drawing/2014/main" id="{AC0DAC9D-D5EA-1567-B417-A5C284499E06}"/>
               </a:ext>
             </a:extLst>
           </p:cNvPr>
@@ -783,7 +783,7 @@
           <p:cNvPr id="3" name="内容占位符 2">
             <a:extLst>
               <a:ext uri="{FF2B5EF4-FFF2-40B4-BE49-F238E27FC236}">
-                <a16:creationId xmlns:a16="http://schemas.microsoft.com/office/drawing/2014/main" id="{B64ED678-45BE-D98F-1DF5-81A4C4860B0C}"/>
+                <a16:creationId xmlns:a16="http://schemas.microsoft.com/office/drawing/2014/main" id="{C660A367-ED5A-6029-159B-1FDC409851D6}"/>
               </a:ext>
             </a:extLst>
           </p:cNvPr>
@@ -840,7 +840,7 @@
           <p:cNvPr id="4" name="日期占位符 3">
             <a:extLst>
               <a:ext uri="{FF2B5EF4-FFF2-40B4-BE49-F238E27FC236}">
-                <a16:creationId xmlns:a16="http://schemas.microsoft.com/office/drawing/2014/main" id="{2EFC6DB0-B8E7-3DFB-6F27-A0CCA6871A1D}"/>
+                <a16:creationId xmlns:a16="http://schemas.microsoft.com/office/drawing/2014/main" id="{06F050D6-DE5C-EA5D-FAFD-8AB173686E76}"/>
               </a:ext>
             </a:extLst>
           </p:cNvPr>
@@ -856,7 +856,7 @@
           <a:bodyPr/>
           <a:lstStyle/>
           <a:p>
-            <a:fld id="{A749E57D-80A7-44DE-A885-BE9FBD9334EE}" type="datetimeFigureOut">
+            <a:fld id="{323998ED-F7BD-4119-99B3-993F49C74123}" type="datetimeFigureOut">
               <a:rPr lang="zh-CN" altLang="en-US" smtClean="0"/>
               <a:t>2024/3/10</a:t>
             </a:fld>
@@ -869,7 +869,7 @@
           <p:cNvPr id="5" name="页脚占位符 4">
             <a:extLst>
               <a:ext uri="{FF2B5EF4-FFF2-40B4-BE49-F238E27FC236}">
-                <a16:creationId xmlns:a16="http://schemas.microsoft.com/office/drawing/2014/main" id="{6CBB33FD-D956-97AE-C4B7-6E4F50CB05CB}"/>
+                <a16:creationId xmlns:a16="http://schemas.microsoft.com/office/drawing/2014/main" id="{C892A5C0-1C8D-EA84-5DDF-F9D4F88727C7}"/>
               </a:ext>
             </a:extLst>
           </p:cNvPr>
@@ -894,7 +894,7 @@
           <p:cNvPr id="6" name="灯片编号占位符 5">
             <a:extLst>
               <a:ext uri="{FF2B5EF4-FFF2-40B4-BE49-F238E27FC236}">
-                <a16:creationId xmlns:a16="http://schemas.microsoft.com/office/drawing/2014/main" id="{D08D5976-98E2-24F0-B880-8236F4671FF7}"/>
+                <a16:creationId xmlns:a16="http://schemas.microsoft.com/office/drawing/2014/main" id="{4FE38CA0-380E-4E80-E4D9-D95A88E2873E}"/>
               </a:ext>
             </a:extLst>
           </p:cNvPr>
@@ -910,7 +910,7 @@
           <a:bodyPr/>
           <a:lstStyle/>
           <a:p>
-            <a:fld id="{00993888-B908-42AD-9288-CFFD964B664B}" type="slidenum">
+            <a:fld id="{8DA97B0A-31A1-4584-8B7C-6A5589E7F074}" type="slidenum">
               <a:rPr lang="zh-CN" altLang="en-US" smtClean="0"/>
               <a:t>‹#›</a:t>
             </a:fld>
@@ -921,7 +921,7 @@
     </p:spTree>
     <p:extLst>
       <p:ext uri="{BB962C8B-B14F-4D97-AF65-F5344CB8AC3E}">
-        <p14:creationId xmlns:p14="http://schemas.microsoft.com/office/powerpoint/2010/main" val="652308191"/>
+        <p14:creationId xmlns:p14="http://schemas.microsoft.com/office/powerpoint/2010/main" val="1760848381"/>
       </p:ext>
     </p:extLst>
   </p:cSld>
@@ -953,7 +953,7 @@
           <p:cNvPr id="2" name="标题 1">
             <a:extLst>
               <a:ext uri="{FF2B5EF4-FFF2-40B4-BE49-F238E27FC236}">
-                <a16:creationId xmlns:a16="http://schemas.microsoft.com/office/drawing/2014/main" id="{A89D826F-98C0-77E5-E0B1-504AD0ECC02C}"/>
+                <a16:creationId xmlns:a16="http://schemas.microsoft.com/office/drawing/2014/main" id="{75F5D3F6-55C5-D0DA-F884-D8005BE7DF6F}"/>
               </a:ext>
             </a:extLst>
           </p:cNvPr>
@@ -990,7 +990,7 @@
           <p:cNvPr id="3" name="文本占位符 2">
             <a:extLst>
               <a:ext uri="{FF2B5EF4-FFF2-40B4-BE49-F238E27FC236}">
-                <a16:creationId xmlns:a16="http://schemas.microsoft.com/office/drawing/2014/main" id="{5652B703-B867-B5BE-9C1D-BBEBF67B7E62}"/>
+                <a16:creationId xmlns:a16="http://schemas.microsoft.com/office/drawing/2014/main" id="{9FBCAABA-83B7-BFAA-E637-D8C97B631484}"/>
               </a:ext>
             </a:extLst>
           </p:cNvPr>
@@ -1115,7 +1115,7 @@
           <p:cNvPr id="4" name="日期占位符 3">
             <a:extLst>
               <a:ext uri="{FF2B5EF4-FFF2-40B4-BE49-F238E27FC236}">
-                <a16:creationId xmlns:a16="http://schemas.microsoft.com/office/drawing/2014/main" id="{E7CD67E9-A7D0-AA79-F7B4-9E3F0D5E6D73}"/>
+                <a16:creationId xmlns:a16="http://schemas.microsoft.com/office/drawing/2014/main" id="{9D9B6D0E-19BB-8A60-9335-C56A0F6D14B3}"/>
               </a:ext>
             </a:extLst>
           </p:cNvPr>
@@ -1131,7 +1131,7 @@
           <a:bodyPr/>
           <a:lstStyle/>
           <a:p>
-            <a:fld id="{A749E57D-80A7-44DE-A885-BE9FBD9334EE}" type="datetimeFigureOut">
+            <a:fld id="{323998ED-F7BD-4119-99B3-993F49C74123}" type="datetimeFigureOut">
               <a:rPr lang="zh-CN" altLang="en-US" smtClean="0"/>
               <a:t>2024/3/10</a:t>
             </a:fld>
@@ -1144,7 +1144,7 @@
           <p:cNvPr id="5" name="页脚占位符 4">
             <a:extLst>
               <a:ext uri="{FF2B5EF4-FFF2-40B4-BE49-F238E27FC236}">
-                <a16:creationId xmlns:a16="http://schemas.microsoft.com/office/drawing/2014/main" id="{09A4E096-8AE9-2E24-982D-5E7CA363EFA0}"/>
+                <a16:creationId xmlns:a16="http://schemas.microsoft.com/office/drawing/2014/main" id="{2E4BBA47-87F9-8C24-79A3-19E1BE64FE94}"/>
               </a:ext>
             </a:extLst>
           </p:cNvPr>
@@ -1169,7 +1169,7 @@
           <p:cNvPr id="6" name="灯片编号占位符 5">
             <a:extLst>
               <a:ext uri="{FF2B5EF4-FFF2-40B4-BE49-F238E27FC236}">
-                <a16:creationId xmlns:a16="http://schemas.microsoft.com/office/drawing/2014/main" id="{83731035-6E92-C517-A45A-3DB63773DCDB}"/>
+                <a16:creationId xmlns:a16="http://schemas.microsoft.com/office/drawing/2014/main" id="{1B7D8267-7B9C-F7E8-54D0-6FDE5C1BE50D}"/>
               </a:ext>
             </a:extLst>
           </p:cNvPr>
@@ -1185,7 +1185,7 @@
           <a:bodyPr/>
           <a:lstStyle/>
           <a:p>
-            <a:fld id="{00993888-B908-42AD-9288-CFFD964B664B}" type="slidenum">
+            <a:fld id="{8DA97B0A-31A1-4584-8B7C-6A5589E7F074}" type="slidenum">
               <a:rPr lang="zh-CN" altLang="en-US" smtClean="0"/>
               <a:t>‹#›</a:t>
             </a:fld>
@@ -1196,7 +1196,7 @@
     </p:spTree>
     <p:extLst>
       <p:ext uri="{BB962C8B-B14F-4D97-AF65-F5344CB8AC3E}">
-        <p14:creationId xmlns:p14="http://schemas.microsoft.com/office/powerpoint/2010/main" val="496738142"/>
+        <p14:creationId xmlns:p14="http://schemas.microsoft.com/office/powerpoint/2010/main" val="2484133141"/>
       </p:ext>
     </p:extLst>
   </p:cSld>
@@ -1228,7 +1228,7 @@
           <p:cNvPr id="2" name="标题 1">
             <a:extLst>
               <a:ext uri="{FF2B5EF4-FFF2-40B4-BE49-F238E27FC236}">
-                <a16:creationId xmlns:a16="http://schemas.microsoft.com/office/drawing/2014/main" id="{727C9652-D80A-1BA4-E446-862004174B54}"/>
+                <a16:creationId xmlns:a16="http://schemas.microsoft.com/office/drawing/2014/main" id="{49D0FD1D-FEB0-1917-B01E-84DC0FBDD3AF}"/>
               </a:ext>
             </a:extLst>
           </p:cNvPr>
@@ -1256,7 +1256,7 @@
           <p:cNvPr id="3" name="内容占位符 2">
             <a:extLst>
               <a:ext uri="{FF2B5EF4-FFF2-40B4-BE49-F238E27FC236}">
-                <a16:creationId xmlns:a16="http://schemas.microsoft.com/office/drawing/2014/main" id="{2EDECDBD-43C1-31E2-43C5-A646BAACA5BB}"/>
+                <a16:creationId xmlns:a16="http://schemas.microsoft.com/office/drawing/2014/main" id="{5AC01867-0A9B-E2D6-CA64-940855CFCF2A}"/>
               </a:ext>
             </a:extLst>
           </p:cNvPr>
@@ -1318,7 +1318,7 @@
           <p:cNvPr id="4" name="内容占位符 3">
             <a:extLst>
               <a:ext uri="{FF2B5EF4-FFF2-40B4-BE49-F238E27FC236}">
-                <a16:creationId xmlns:a16="http://schemas.microsoft.com/office/drawing/2014/main" id="{0E708076-E5DF-674E-7B24-A8EBD2B058F3}"/>
+                <a16:creationId xmlns:a16="http://schemas.microsoft.com/office/drawing/2014/main" id="{36E25532-EA2E-C9C3-71B5-56BA402F9EFC}"/>
               </a:ext>
             </a:extLst>
           </p:cNvPr>
@@ -1380,7 +1380,7 @@
           <p:cNvPr id="5" name="日期占位符 4">
             <a:extLst>
               <a:ext uri="{FF2B5EF4-FFF2-40B4-BE49-F238E27FC236}">
-                <a16:creationId xmlns:a16="http://schemas.microsoft.com/office/drawing/2014/main" id="{996937E4-AB16-9ADC-336E-5A340386A028}"/>
+                <a16:creationId xmlns:a16="http://schemas.microsoft.com/office/drawing/2014/main" id="{E415D824-9544-AB14-0A75-E5538D15EF59}"/>
               </a:ext>
             </a:extLst>
           </p:cNvPr>
@@ -1396,7 +1396,7 @@
           <a:bodyPr/>
           <a:lstStyle/>
           <a:p>
-            <a:fld id="{A749E57D-80A7-44DE-A885-BE9FBD9334EE}" type="datetimeFigureOut">
+            <a:fld id="{323998ED-F7BD-4119-99B3-993F49C74123}" type="datetimeFigureOut">
               <a:rPr lang="zh-CN" altLang="en-US" smtClean="0"/>
               <a:t>2024/3/10</a:t>
             </a:fld>
@@ -1409,7 +1409,7 @@
           <p:cNvPr id="6" name="页脚占位符 5">
             <a:extLst>
               <a:ext uri="{FF2B5EF4-FFF2-40B4-BE49-F238E27FC236}">
-                <a16:creationId xmlns:a16="http://schemas.microsoft.com/office/drawing/2014/main" id="{D8CCBCAF-1B2C-DA8F-0B41-175CCF224439}"/>
+                <a16:creationId xmlns:a16="http://schemas.microsoft.com/office/drawing/2014/main" id="{323E432D-8D9D-4F1B-E033-B463B9501441}"/>
               </a:ext>
             </a:extLst>
           </p:cNvPr>
@@ -1434,7 +1434,7 @@
           <p:cNvPr id="7" name="灯片编号占位符 6">
             <a:extLst>
               <a:ext uri="{FF2B5EF4-FFF2-40B4-BE49-F238E27FC236}">
-                <a16:creationId xmlns:a16="http://schemas.microsoft.com/office/drawing/2014/main" id="{49A472BA-6368-2B8F-9AE0-ED3D36DAD9F8}"/>
+                <a16:creationId xmlns:a16="http://schemas.microsoft.com/office/drawing/2014/main" id="{67BB9144-1021-34A9-0206-72CBCB778244}"/>
               </a:ext>
             </a:extLst>
           </p:cNvPr>
@@ -1450,7 +1450,7 @@
           <a:bodyPr/>
           <a:lstStyle/>
           <a:p>
-            <a:fld id="{00993888-B908-42AD-9288-CFFD964B664B}" type="slidenum">
+            <a:fld id="{8DA97B0A-31A1-4584-8B7C-6A5589E7F074}" type="slidenum">
               <a:rPr lang="zh-CN" altLang="en-US" smtClean="0"/>
               <a:t>‹#›</a:t>
             </a:fld>
@@ -1461,7 +1461,7 @@
     </p:spTree>
     <p:extLst>
       <p:ext uri="{BB962C8B-B14F-4D97-AF65-F5344CB8AC3E}">
-        <p14:creationId xmlns:p14="http://schemas.microsoft.com/office/powerpoint/2010/main" val="3587552687"/>
+        <p14:creationId xmlns:p14="http://schemas.microsoft.com/office/powerpoint/2010/main" val="2447036267"/>
       </p:ext>
     </p:extLst>
   </p:cSld>
@@ -1493,7 +1493,7 @@
           <p:cNvPr id="2" name="标题 1">
             <a:extLst>
               <a:ext uri="{FF2B5EF4-FFF2-40B4-BE49-F238E27FC236}">
-                <a16:creationId xmlns:a16="http://schemas.microsoft.com/office/drawing/2014/main" id="{30D78510-62D6-3979-1DA0-531EA1E8CB9D}"/>
+                <a16:creationId xmlns:a16="http://schemas.microsoft.com/office/drawing/2014/main" id="{16DAA27B-553F-94C7-6952-D9BB939A03C9}"/>
               </a:ext>
             </a:extLst>
           </p:cNvPr>
@@ -1526,7 +1526,7 @@
           <p:cNvPr id="3" name="文本占位符 2">
             <a:extLst>
               <a:ext uri="{FF2B5EF4-FFF2-40B4-BE49-F238E27FC236}">
-                <a16:creationId xmlns:a16="http://schemas.microsoft.com/office/drawing/2014/main" id="{43FE4035-CF3D-03B8-090A-400CA3062723}"/>
+                <a16:creationId xmlns:a16="http://schemas.microsoft.com/office/drawing/2014/main" id="{8AF5F3D4-FE53-7984-3C30-CC1FAA94FFDF}"/>
               </a:ext>
             </a:extLst>
           </p:cNvPr>
@@ -1597,7 +1597,7 @@
           <p:cNvPr id="4" name="内容占位符 3">
             <a:extLst>
               <a:ext uri="{FF2B5EF4-FFF2-40B4-BE49-F238E27FC236}">
-                <a16:creationId xmlns:a16="http://schemas.microsoft.com/office/drawing/2014/main" id="{879EA316-39AB-13E4-F6A5-4787E03D0B3B}"/>
+                <a16:creationId xmlns:a16="http://schemas.microsoft.com/office/drawing/2014/main" id="{E8D658AA-EB11-6F4B-19A7-45126BF9E04A}"/>
               </a:ext>
             </a:extLst>
           </p:cNvPr>
@@ -1659,7 +1659,7 @@
           <p:cNvPr id="5" name="文本占位符 4">
             <a:extLst>
               <a:ext uri="{FF2B5EF4-FFF2-40B4-BE49-F238E27FC236}">
-                <a16:creationId xmlns:a16="http://schemas.microsoft.com/office/drawing/2014/main" id="{3DE5DE74-E0A5-5CC1-AA4A-B9A80513B408}"/>
+                <a16:creationId xmlns:a16="http://schemas.microsoft.com/office/drawing/2014/main" id="{A139EB53-A0DC-8CA7-4DAD-A5C42A14BD89}"/>
               </a:ext>
             </a:extLst>
           </p:cNvPr>
@@ -1730,7 +1730,7 @@
           <p:cNvPr id="6" name="内容占位符 5">
             <a:extLst>
               <a:ext uri="{FF2B5EF4-FFF2-40B4-BE49-F238E27FC236}">
-                <a16:creationId xmlns:a16="http://schemas.microsoft.com/office/drawing/2014/main" id="{28292FD6-DBD1-18CD-9160-7745927BD721}"/>
+                <a16:creationId xmlns:a16="http://schemas.microsoft.com/office/drawing/2014/main" id="{BEF5F1DB-6B1C-4E4C-CB72-A7E9882AF8C3}"/>
               </a:ext>
             </a:extLst>
           </p:cNvPr>
@@ -1792,7 +1792,7 @@
           <p:cNvPr id="7" name="日期占位符 6">
             <a:extLst>
               <a:ext uri="{FF2B5EF4-FFF2-40B4-BE49-F238E27FC236}">
-                <a16:creationId xmlns:a16="http://schemas.microsoft.com/office/drawing/2014/main" id="{27554BDC-E628-52A6-7B39-BF01F9486983}"/>
+                <a16:creationId xmlns:a16="http://schemas.microsoft.com/office/drawing/2014/main" id="{DAEA3BA9-96B5-A6C3-2B0F-681FECE7FD15}"/>
               </a:ext>
             </a:extLst>
           </p:cNvPr>
@@ -1808,7 +1808,7 @@
           <a:bodyPr/>
           <a:lstStyle/>
           <a:p>
-            <a:fld id="{A749E57D-80A7-44DE-A885-BE9FBD9334EE}" type="datetimeFigureOut">
+            <a:fld id="{323998ED-F7BD-4119-99B3-993F49C74123}" type="datetimeFigureOut">
               <a:rPr lang="zh-CN" altLang="en-US" smtClean="0"/>
               <a:t>2024/3/10</a:t>
             </a:fld>
@@ -1821,7 +1821,7 @@
           <p:cNvPr id="8" name="页脚占位符 7">
             <a:extLst>
               <a:ext uri="{FF2B5EF4-FFF2-40B4-BE49-F238E27FC236}">
-                <a16:creationId xmlns:a16="http://schemas.microsoft.com/office/drawing/2014/main" id="{0AB3B414-F491-5B3C-CDF8-D61DC80F3440}"/>
+                <a16:creationId xmlns:a16="http://schemas.microsoft.com/office/drawing/2014/main" id="{A3A22D05-CD82-CDB9-137C-910AE213AC39}"/>
               </a:ext>
             </a:extLst>
           </p:cNvPr>
@@ -1846,7 +1846,7 @@
           <p:cNvPr id="9" name="灯片编号占位符 8">
             <a:extLst>
               <a:ext uri="{FF2B5EF4-FFF2-40B4-BE49-F238E27FC236}">
-                <a16:creationId xmlns:a16="http://schemas.microsoft.com/office/drawing/2014/main" id="{9A3DA59F-F2FC-2E32-A82A-A34B31E3A0C6}"/>
+                <a16:creationId xmlns:a16="http://schemas.microsoft.com/office/drawing/2014/main" id="{6C90C092-DD5C-E331-182D-687ECE0B88D4}"/>
               </a:ext>
             </a:extLst>
           </p:cNvPr>
@@ -1862,7 +1862,7 @@
           <a:bodyPr/>
           <a:lstStyle/>
           <a:p>
-            <a:fld id="{00993888-B908-42AD-9288-CFFD964B664B}" type="slidenum">
+            <a:fld id="{8DA97B0A-31A1-4584-8B7C-6A5589E7F074}" type="slidenum">
               <a:rPr lang="zh-CN" altLang="en-US" smtClean="0"/>
               <a:t>‹#›</a:t>
             </a:fld>
@@ -1873,7 +1873,7 @@
     </p:spTree>
     <p:extLst>
       <p:ext uri="{BB962C8B-B14F-4D97-AF65-F5344CB8AC3E}">
-        <p14:creationId xmlns:p14="http://schemas.microsoft.com/office/powerpoint/2010/main" val="1058476001"/>
+        <p14:creationId xmlns:p14="http://schemas.microsoft.com/office/powerpoint/2010/main" val="3477096084"/>
       </p:ext>
     </p:extLst>
   </p:cSld>
@@ -1905,7 +1905,7 @@
           <p:cNvPr id="2" name="标题 1">
             <a:extLst>
               <a:ext uri="{FF2B5EF4-FFF2-40B4-BE49-F238E27FC236}">
-                <a16:creationId xmlns:a16="http://schemas.microsoft.com/office/drawing/2014/main" id="{9D3A6ADD-5619-AFC6-4CE1-8BEEAE56625F}"/>
+                <a16:creationId xmlns:a16="http://schemas.microsoft.com/office/drawing/2014/main" id="{47E476D0-731F-7268-67C4-B1EFBD2B5DEB}"/>
               </a:ext>
             </a:extLst>
           </p:cNvPr>
@@ -1933,7 +1933,7 @@
           <p:cNvPr id="3" name="日期占位符 2">
             <a:extLst>
               <a:ext uri="{FF2B5EF4-FFF2-40B4-BE49-F238E27FC236}">
-                <a16:creationId xmlns:a16="http://schemas.microsoft.com/office/drawing/2014/main" id="{0B4AF621-BCA9-C78E-4945-E1FDB5DEAF10}"/>
+                <a16:creationId xmlns:a16="http://schemas.microsoft.com/office/drawing/2014/main" id="{9BED7DDA-5186-08DE-DB01-A7A2BDA54F76}"/>
               </a:ext>
             </a:extLst>
           </p:cNvPr>
@@ -1949,7 +1949,7 @@
           <a:bodyPr/>
           <a:lstStyle/>
           <a:p>
-            <a:fld id="{A749E57D-80A7-44DE-A885-BE9FBD9334EE}" type="datetimeFigureOut">
+            <a:fld id="{323998ED-F7BD-4119-99B3-993F49C74123}" type="datetimeFigureOut">
               <a:rPr lang="zh-CN" altLang="en-US" smtClean="0"/>
               <a:t>2024/3/10</a:t>
             </a:fld>
@@ -1962,7 +1962,7 @@
           <p:cNvPr id="4" name="页脚占位符 3">
             <a:extLst>
               <a:ext uri="{FF2B5EF4-FFF2-40B4-BE49-F238E27FC236}">
-                <a16:creationId xmlns:a16="http://schemas.microsoft.com/office/drawing/2014/main" id="{6C10814C-F379-5C87-3DD2-448E6276D99D}"/>
+                <a16:creationId xmlns:a16="http://schemas.microsoft.com/office/drawing/2014/main" id="{066E0031-8597-CB3D-8390-84F35A983952}"/>
               </a:ext>
             </a:extLst>
           </p:cNvPr>
@@ -1987,7 +1987,7 @@
           <p:cNvPr id="5" name="灯片编号占位符 4">
             <a:extLst>
               <a:ext uri="{FF2B5EF4-FFF2-40B4-BE49-F238E27FC236}">
-                <a16:creationId xmlns:a16="http://schemas.microsoft.com/office/drawing/2014/main" id="{C29D56F8-F291-BA96-B6F6-63A97494287D}"/>
+                <a16:creationId xmlns:a16="http://schemas.microsoft.com/office/drawing/2014/main" id="{57DD9996-0C3C-D43E-3583-35B98EE23BD2}"/>
               </a:ext>
             </a:extLst>
           </p:cNvPr>
@@ -2003,7 +2003,7 @@
           <a:bodyPr/>
           <a:lstStyle/>
           <a:p>
-            <a:fld id="{00993888-B908-42AD-9288-CFFD964B664B}" type="slidenum">
+            <a:fld id="{8DA97B0A-31A1-4584-8B7C-6A5589E7F074}" type="slidenum">
               <a:rPr lang="zh-CN" altLang="en-US" smtClean="0"/>
               <a:t>‹#›</a:t>
             </a:fld>
@@ -2014,7 +2014,7 @@
     </p:spTree>
     <p:extLst>
       <p:ext uri="{BB962C8B-B14F-4D97-AF65-F5344CB8AC3E}">
-        <p14:creationId xmlns:p14="http://schemas.microsoft.com/office/powerpoint/2010/main" val="1535763003"/>
+        <p14:creationId xmlns:p14="http://schemas.microsoft.com/office/powerpoint/2010/main" val="3805619147"/>
       </p:ext>
     </p:extLst>
   </p:cSld>
@@ -2046,7 +2046,7 @@
           <p:cNvPr id="2" name="日期占位符 1">
             <a:extLst>
               <a:ext uri="{FF2B5EF4-FFF2-40B4-BE49-F238E27FC236}">
-                <a16:creationId xmlns:a16="http://schemas.microsoft.com/office/drawing/2014/main" id="{88EB5000-9091-A9EB-2AE4-9A8FD2C83185}"/>
+                <a16:creationId xmlns:a16="http://schemas.microsoft.com/office/drawing/2014/main" id="{DF00318E-B529-CA5A-8EB1-F93690634389}"/>
               </a:ext>
             </a:extLst>
           </p:cNvPr>
@@ -2062,7 +2062,7 @@
           <a:bodyPr/>
           <a:lstStyle/>
           <a:p>
-            <a:fld id="{A749E57D-80A7-44DE-A885-BE9FBD9334EE}" type="datetimeFigureOut">
+            <a:fld id="{323998ED-F7BD-4119-99B3-993F49C74123}" type="datetimeFigureOut">
               <a:rPr lang="zh-CN" altLang="en-US" smtClean="0"/>
               <a:t>2024/3/10</a:t>
             </a:fld>
@@ -2075,7 +2075,7 @@
           <p:cNvPr id="3" name="页脚占位符 2">
             <a:extLst>
               <a:ext uri="{FF2B5EF4-FFF2-40B4-BE49-F238E27FC236}">
-                <a16:creationId xmlns:a16="http://schemas.microsoft.com/office/drawing/2014/main" id="{9BACF6DE-030A-E14C-A209-D43D9D124140}"/>
+                <a16:creationId xmlns:a16="http://schemas.microsoft.com/office/drawing/2014/main" id="{2C48594A-B9F2-48E5-D71C-B1A0E80F9750}"/>
               </a:ext>
             </a:extLst>
           </p:cNvPr>
@@ -2100,7 +2100,7 @@
           <p:cNvPr id="4" name="灯片编号占位符 3">
             <a:extLst>
               <a:ext uri="{FF2B5EF4-FFF2-40B4-BE49-F238E27FC236}">
-                <a16:creationId xmlns:a16="http://schemas.microsoft.com/office/drawing/2014/main" id="{3D4B818A-45D2-B86D-BE2D-623B655B6C97}"/>
+                <a16:creationId xmlns:a16="http://schemas.microsoft.com/office/drawing/2014/main" id="{62BFA7E6-DED2-0022-DB4B-2B6D7087A826}"/>
               </a:ext>
             </a:extLst>
           </p:cNvPr>
@@ -2116,7 +2116,7 @@
           <a:bodyPr/>
           <a:lstStyle/>
           <a:p>
-            <a:fld id="{00993888-B908-42AD-9288-CFFD964B664B}" type="slidenum">
+            <a:fld id="{8DA97B0A-31A1-4584-8B7C-6A5589E7F074}" type="slidenum">
               <a:rPr lang="zh-CN" altLang="en-US" smtClean="0"/>
               <a:t>‹#›</a:t>
             </a:fld>
@@ -2127,7 +2127,7 @@
     </p:spTree>
     <p:extLst>
       <p:ext uri="{BB962C8B-B14F-4D97-AF65-F5344CB8AC3E}">
-        <p14:creationId xmlns:p14="http://schemas.microsoft.com/office/powerpoint/2010/main" val="2879444764"/>
+        <p14:creationId xmlns:p14="http://schemas.microsoft.com/office/powerpoint/2010/main" val="3756517324"/>
       </p:ext>
     </p:extLst>
   </p:cSld>
@@ -2159,7 +2159,7 @@
           <p:cNvPr id="2" name="标题 1">
             <a:extLst>
               <a:ext uri="{FF2B5EF4-FFF2-40B4-BE49-F238E27FC236}">
-                <a16:creationId xmlns:a16="http://schemas.microsoft.com/office/drawing/2014/main" id="{4BF41E10-7804-E8AB-7C3E-945A5E17D8A1}"/>
+                <a16:creationId xmlns:a16="http://schemas.microsoft.com/office/drawing/2014/main" id="{1A319773-B060-7B4D-C6DF-AD8F54E2E585}"/>
               </a:ext>
             </a:extLst>
           </p:cNvPr>
@@ -2196,7 +2196,7 @@
           <p:cNvPr id="3" name="内容占位符 2">
             <a:extLst>
               <a:ext uri="{FF2B5EF4-FFF2-40B4-BE49-F238E27FC236}">
-                <a16:creationId xmlns:a16="http://schemas.microsoft.com/office/drawing/2014/main" id="{D29A24F7-2050-DECD-AEA7-16485B51E3F1}"/>
+                <a16:creationId xmlns:a16="http://schemas.microsoft.com/office/drawing/2014/main" id="{879D91D9-C04F-CEAC-1F3D-3AA3602FA0CA}"/>
               </a:ext>
             </a:extLst>
           </p:cNvPr>
@@ -2286,7 +2286,7 @@
           <p:cNvPr id="4" name="文本占位符 3">
             <a:extLst>
               <a:ext uri="{FF2B5EF4-FFF2-40B4-BE49-F238E27FC236}">
-                <a16:creationId xmlns:a16="http://schemas.microsoft.com/office/drawing/2014/main" id="{933D8124-6F5E-3601-71CC-FAA94C4A8F9D}"/>
+                <a16:creationId xmlns:a16="http://schemas.microsoft.com/office/drawing/2014/main" id="{CF3B7EE5-0726-7C67-2CC8-8FCDE770A286}"/>
               </a:ext>
             </a:extLst>
           </p:cNvPr>
@@ -2357,7 +2357,7 @@
           <p:cNvPr id="5" name="日期占位符 4">
             <a:extLst>
               <a:ext uri="{FF2B5EF4-FFF2-40B4-BE49-F238E27FC236}">
-                <a16:creationId xmlns:a16="http://schemas.microsoft.com/office/drawing/2014/main" id="{3F48F365-2CDA-05BD-F49F-65D96E90C423}"/>
+                <a16:creationId xmlns:a16="http://schemas.microsoft.com/office/drawing/2014/main" id="{18DBD74B-7F08-1E26-FE5F-69F9980D173F}"/>
               </a:ext>
             </a:extLst>
           </p:cNvPr>
@@ -2373,7 +2373,7 @@
           <a:bodyPr/>
           <a:lstStyle/>
           <a:p>
-            <a:fld id="{A749E57D-80A7-44DE-A885-BE9FBD9334EE}" type="datetimeFigureOut">
+            <a:fld id="{323998ED-F7BD-4119-99B3-993F49C74123}" type="datetimeFigureOut">
               <a:rPr lang="zh-CN" altLang="en-US" smtClean="0"/>
               <a:t>2024/3/10</a:t>
             </a:fld>
@@ -2386,7 +2386,7 @@
           <p:cNvPr id="6" name="页脚占位符 5">
             <a:extLst>
               <a:ext uri="{FF2B5EF4-FFF2-40B4-BE49-F238E27FC236}">
-                <a16:creationId xmlns:a16="http://schemas.microsoft.com/office/drawing/2014/main" id="{18C275D0-C2D8-A9BA-A39C-333960743F39}"/>
+                <a16:creationId xmlns:a16="http://schemas.microsoft.com/office/drawing/2014/main" id="{0D568C8D-C4F8-4EA6-E68F-BF66EBC69BF4}"/>
               </a:ext>
             </a:extLst>
           </p:cNvPr>
@@ -2411,7 +2411,7 @@
           <p:cNvPr id="7" name="灯片编号占位符 6">
             <a:extLst>
               <a:ext uri="{FF2B5EF4-FFF2-40B4-BE49-F238E27FC236}">
-                <a16:creationId xmlns:a16="http://schemas.microsoft.com/office/drawing/2014/main" id="{AA562617-DFFC-B630-6490-65E3176DCA37}"/>
+                <a16:creationId xmlns:a16="http://schemas.microsoft.com/office/drawing/2014/main" id="{7322280F-78D3-2700-7DDD-B12267E6E9A7}"/>
               </a:ext>
             </a:extLst>
           </p:cNvPr>
@@ -2427,7 +2427,7 @@
           <a:bodyPr/>
           <a:lstStyle/>
           <a:p>
-            <a:fld id="{00993888-B908-42AD-9288-CFFD964B664B}" type="slidenum">
+            <a:fld id="{8DA97B0A-31A1-4584-8B7C-6A5589E7F074}" type="slidenum">
               <a:rPr lang="zh-CN" altLang="en-US" smtClean="0"/>
               <a:t>‹#›</a:t>
             </a:fld>
@@ -2438,7 +2438,7 @@
     </p:spTree>
     <p:extLst>
       <p:ext uri="{BB962C8B-B14F-4D97-AF65-F5344CB8AC3E}">
-        <p14:creationId xmlns:p14="http://schemas.microsoft.com/office/powerpoint/2010/main" val="4129520291"/>
+        <p14:creationId xmlns:p14="http://schemas.microsoft.com/office/powerpoint/2010/main" val="958765410"/>
       </p:ext>
     </p:extLst>
   </p:cSld>
@@ -2470,7 +2470,7 @@
           <p:cNvPr id="2" name="标题 1">
             <a:extLst>
               <a:ext uri="{FF2B5EF4-FFF2-40B4-BE49-F238E27FC236}">
-                <a16:creationId xmlns:a16="http://schemas.microsoft.com/office/drawing/2014/main" id="{4B6F7735-800A-55C8-9AFA-257F37926555}"/>
+                <a16:creationId xmlns:a16="http://schemas.microsoft.com/office/drawing/2014/main" id="{BFAEEC21-EAA4-FE06-02FC-801DF2E847C2}"/>
               </a:ext>
             </a:extLst>
           </p:cNvPr>
@@ -2507,7 +2507,7 @@
           <p:cNvPr id="3" name="图片占位符 2">
             <a:extLst>
               <a:ext uri="{FF2B5EF4-FFF2-40B4-BE49-F238E27FC236}">
-                <a16:creationId xmlns:a16="http://schemas.microsoft.com/office/drawing/2014/main" id="{DCEFBD54-E71A-3EF0-5549-064BECC4D2DD}"/>
+                <a16:creationId xmlns:a16="http://schemas.microsoft.com/office/drawing/2014/main" id="{7A78C313-233C-BA2A-1D14-C9247B21139E}"/>
               </a:ext>
             </a:extLst>
           </p:cNvPr>
@@ -2574,7 +2574,7 @@
           <p:cNvPr id="4" name="文本占位符 3">
             <a:extLst>
               <a:ext uri="{FF2B5EF4-FFF2-40B4-BE49-F238E27FC236}">
-                <a16:creationId xmlns:a16="http://schemas.microsoft.com/office/drawing/2014/main" id="{AFDD3644-47D5-F614-E932-7B275EEDEB66}"/>
+                <a16:creationId xmlns:a16="http://schemas.microsoft.com/office/drawing/2014/main" id="{F511F35B-A70B-3C89-80C9-DFBE8937F377}"/>
               </a:ext>
             </a:extLst>
           </p:cNvPr>
@@ -2645,7 +2645,7 @@
           <p:cNvPr id="5" name="日期占位符 4">
             <a:extLst>
               <a:ext uri="{FF2B5EF4-FFF2-40B4-BE49-F238E27FC236}">
-                <a16:creationId xmlns:a16="http://schemas.microsoft.com/office/drawing/2014/main" id="{E91A7C7C-2C76-9884-4461-DC32A0358D54}"/>
+                <a16:creationId xmlns:a16="http://schemas.microsoft.com/office/drawing/2014/main" id="{91CCD7E7-2CD3-3D83-10AD-8609929B49AF}"/>
               </a:ext>
             </a:extLst>
           </p:cNvPr>
@@ -2661,7 +2661,7 @@
           <a:bodyPr/>
           <a:lstStyle/>
           <a:p>
-            <a:fld id="{A749E57D-80A7-44DE-A885-BE9FBD9334EE}" type="datetimeFigureOut">
+            <a:fld id="{323998ED-F7BD-4119-99B3-993F49C74123}" type="datetimeFigureOut">
               <a:rPr lang="zh-CN" altLang="en-US" smtClean="0"/>
               <a:t>2024/3/10</a:t>
             </a:fld>
@@ -2674,7 +2674,7 @@
           <p:cNvPr id="6" name="页脚占位符 5">
             <a:extLst>
               <a:ext uri="{FF2B5EF4-FFF2-40B4-BE49-F238E27FC236}">
-                <a16:creationId xmlns:a16="http://schemas.microsoft.com/office/drawing/2014/main" id="{83201ADA-75CD-4CD1-D022-81B82365CC36}"/>
+                <a16:creationId xmlns:a16="http://schemas.microsoft.com/office/drawing/2014/main" id="{1E6C711D-3ED0-9D29-FA15-50AFD42C4898}"/>
               </a:ext>
             </a:extLst>
           </p:cNvPr>
@@ -2699,7 +2699,7 @@
           <p:cNvPr id="7" name="灯片编号占位符 6">
             <a:extLst>
               <a:ext uri="{FF2B5EF4-FFF2-40B4-BE49-F238E27FC236}">
-                <a16:creationId xmlns:a16="http://schemas.microsoft.com/office/drawing/2014/main" id="{E4A6BB3E-9E53-4610-227E-E935A477FB19}"/>
+                <a16:creationId xmlns:a16="http://schemas.microsoft.com/office/drawing/2014/main" id="{C0DC4A91-349F-70A6-9D9C-CDED27A12F9E}"/>
               </a:ext>
             </a:extLst>
           </p:cNvPr>
@@ -2715,7 +2715,7 @@
           <a:bodyPr/>
           <a:lstStyle/>
           <a:p>
-            <a:fld id="{00993888-B908-42AD-9288-CFFD964B664B}" type="slidenum">
+            <a:fld id="{8DA97B0A-31A1-4584-8B7C-6A5589E7F074}" type="slidenum">
               <a:rPr lang="zh-CN" altLang="en-US" smtClean="0"/>
               <a:t>‹#›</a:t>
             </a:fld>
@@ -2726,7 +2726,7 @@
     </p:spTree>
     <p:extLst>
       <p:ext uri="{BB962C8B-B14F-4D97-AF65-F5344CB8AC3E}">
-        <p14:creationId xmlns:p14="http://schemas.microsoft.com/office/powerpoint/2010/main" val="3118097825"/>
+        <p14:creationId xmlns:p14="http://schemas.microsoft.com/office/powerpoint/2010/main" val="1573406618"/>
       </p:ext>
     </p:extLst>
   </p:cSld>
@@ -2763,7 +2763,7 @@
           <p:cNvPr id="2" name="标题占位符 1">
             <a:extLst>
               <a:ext uri="{FF2B5EF4-FFF2-40B4-BE49-F238E27FC236}">
-                <a16:creationId xmlns:a16="http://schemas.microsoft.com/office/drawing/2014/main" id="{B931A3E0-501E-DA31-4F44-A6F6F195DFBA}"/>
+                <a16:creationId xmlns:a16="http://schemas.microsoft.com/office/drawing/2014/main" id="{8DB65128-9840-1580-9B3F-22BBE6E7A8AF}"/>
               </a:ext>
             </a:extLst>
           </p:cNvPr>
@@ -2801,7 +2801,7 @@
           <p:cNvPr id="3" name="文本占位符 2">
             <a:extLst>
               <a:ext uri="{FF2B5EF4-FFF2-40B4-BE49-F238E27FC236}">
-                <a16:creationId xmlns:a16="http://schemas.microsoft.com/office/drawing/2014/main" id="{AF3C7DD5-482E-77A6-2DD5-8101D841BDEC}"/>
+                <a16:creationId xmlns:a16="http://schemas.microsoft.com/office/drawing/2014/main" id="{A1C53302-B859-E930-F548-C8CF7D9DF26C}"/>
               </a:ext>
             </a:extLst>
           </p:cNvPr>
@@ -2868,7 +2868,7 @@
           <p:cNvPr id="4" name="日期占位符 3">
             <a:extLst>
               <a:ext uri="{FF2B5EF4-FFF2-40B4-BE49-F238E27FC236}">
-                <a16:creationId xmlns:a16="http://schemas.microsoft.com/office/drawing/2014/main" id="{3077F418-4817-24F0-6743-27B1185497DA}"/>
+                <a16:creationId xmlns:a16="http://schemas.microsoft.com/office/drawing/2014/main" id="{2C3A11EF-0B10-73AB-668C-BE39478951C0}"/>
               </a:ext>
             </a:extLst>
           </p:cNvPr>
@@ -2902,7 +2902,7 @@
             </a:lvl1pPr>
           </a:lstStyle>
           <a:p>
-            <a:fld id="{A749E57D-80A7-44DE-A885-BE9FBD9334EE}" type="datetimeFigureOut">
+            <a:fld id="{323998ED-F7BD-4119-99B3-993F49C74123}" type="datetimeFigureOut">
               <a:rPr lang="zh-CN" altLang="en-US" smtClean="0"/>
               <a:t>2024/3/10</a:t>
             </a:fld>
@@ -2915,7 +2915,7 @@
           <p:cNvPr id="5" name="页脚占位符 4">
             <a:extLst>
               <a:ext uri="{FF2B5EF4-FFF2-40B4-BE49-F238E27FC236}">
-                <a16:creationId xmlns:a16="http://schemas.microsoft.com/office/drawing/2014/main" id="{9CB6BDA2-17E2-BF30-C588-CCD08D814FE4}"/>
+                <a16:creationId xmlns:a16="http://schemas.microsoft.com/office/drawing/2014/main" id="{2B4DE554-EB42-9861-58F4-0BB66819EFBD}"/>
               </a:ext>
             </a:extLst>
           </p:cNvPr>
@@ -2958,7 +2958,7 @@
           <p:cNvPr id="6" name="灯片编号占位符 5">
             <a:extLst>
               <a:ext uri="{FF2B5EF4-FFF2-40B4-BE49-F238E27FC236}">
-                <a16:creationId xmlns:a16="http://schemas.microsoft.com/office/drawing/2014/main" id="{E2B02431-EE22-6699-D525-CEE5345A9271}"/>
+                <a16:creationId xmlns:a16="http://schemas.microsoft.com/office/drawing/2014/main" id="{C3095806-8DBD-22B3-646C-DFFE7E683594}"/>
               </a:ext>
             </a:extLst>
           </p:cNvPr>
@@ -2992,7 +2992,7 @@
             </a:lvl1pPr>
           </a:lstStyle>
           <a:p>
-            <a:fld id="{00993888-B908-42AD-9288-CFFD964B664B}" type="slidenum">
+            <a:fld id="{8DA97B0A-31A1-4584-8B7C-6A5589E7F074}" type="slidenum">
               <a:rPr lang="zh-CN" altLang="en-US" smtClean="0"/>
               <a:t>‹#›</a:t>
             </a:fld>
@@ -3003,7 +3003,7 @@
     </p:spTree>
     <p:extLst>
       <p:ext uri="{BB962C8B-B14F-4D97-AF65-F5344CB8AC3E}">
-        <p14:creationId xmlns:p14="http://schemas.microsoft.com/office/powerpoint/2010/main" val="2664503339"/>
+        <p14:creationId xmlns:p14="http://schemas.microsoft.com/office/powerpoint/2010/main" val="1744624828"/>
       </p:ext>
     </p:extLst>
   </p:cSld>
